--- a/CBP專案/新增發票工作主檔頁面修正_230418.pptx
+++ b/CBP專案/新增發票工作主檔頁面修正_230418.pptx
@@ -3612,8 +3612,8 @@
         </p:nvSpPr>
         <p:spPr>
           <a:xfrm>
-            <a:off x="5164931" y="3918558"/>
-            <a:ext cx="2031207" cy="310542"/>
+            <a:off x="5157789" y="3918558"/>
+            <a:ext cx="2038350" cy="310542"/>
           </a:xfrm>
           <a:prstGeom prst="rect">
             <a:avLst/>
@@ -3720,8 +3720,8 @@
         </p:nvCxnSpPr>
         <p:spPr>
           <a:xfrm rot="16200000" flipH="1">
-            <a:off x="2761880" y="499903"/>
-            <a:ext cx="2851758" cy="3985551"/>
+            <a:off x="2760095" y="501689"/>
+            <a:ext cx="2851758" cy="3981980"/>
           </a:xfrm>
           <a:prstGeom prst="bentConnector3">
             <a:avLst>
